--- a/Project_template_MS AI.pptx
+++ b/Project_template_MS AI.pptx
@@ -5,7 +5,7 @@
     <p:sldMasterId id="2147483660" r:id="rId1"/>
   </p:sldMasterIdLst>
   <p:notesMasterIdLst>
-    <p:notesMasterId r:id="rId16"/>
+    <p:notesMasterId r:id="rId17"/>
   </p:notesMasterIdLst>
   <p:sldIdLst>
     <p:sldId id="256" r:id="rId2"/>
@@ -18,10 +18,11 @@
     <p:sldId id="575" r:id="rId9"/>
     <p:sldId id="582" r:id="rId10"/>
     <p:sldId id="576" r:id="rId11"/>
-    <p:sldId id="577" r:id="rId12"/>
-    <p:sldId id="579" r:id="rId13"/>
-    <p:sldId id="578" r:id="rId14"/>
-    <p:sldId id="570" r:id="rId15"/>
+    <p:sldId id="583" r:id="rId12"/>
+    <p:sldId id="577" r:id="rId13"/>
+    <p:sldId id="579" r:id="rId14"/>
+    <p:sldId id="578" r:id="rId15"/>
+    <p:sldId id="570" r:id="rId16"/>
   </p:sldIdLst>
   <p:sldSz cx="12192000" cy="6858000"/>
   <p:notesSz cx="6858000" cy="9144000"/>
@@ -3916,8 +3917,8 @@
         </p:blipFill>
         <p:spPr>
           <a:xfrm>
-            <a:off x="5903559" y="628109"/>
-            <a:ext cx="5160765" cy="5491205"/>
+            <a:off x="6289742" y="933929"/>
+            <a:ext cx="4483454" cy="4770526"/>
           </a:xfrm>
           <a:prstGeom prst="rect">
             <a:avLst/>
@@ -4841,6 +4842,297 @@
           <a:chExt cx="0" cy="0"/>
         </a:xfrm>
       </p:grpSpPr>
+      <p:cxnSp>
+        <p:nvCxnSpPr>
+          <p:cNvPr id="27" name="Straight Connector 26">
+            <a:extLst>
+              <a:ext uri="{FF2B5EF4-FFF2-40B4-BE49-F238E27FC236}">
+                <a16:creationId xmlns:a16="http://schemas.microsoft.com/office/drawing/2014/main" id="{1503BFE4-729B-D9D0-C17B-501E6AF1127A}"/>
+              </a:ext>
+              <a:ext uri="{C183D7F6-B498-43B3-948B-1728B52AA6E4}">
+                <adec:decorative xmlns:adec="http://schemas.microsoft.com/office/drawing/2017/decorative" val="1"/>
+              </a:ext>
+            </a:extLst>
+          </p:cNvPr>
+          <p:cNvCxnSpPr>
+            <a:cxnSpLocks noGrp="1" noRot="1" noChangeAspect="1" noMove="1" noResize="1" noEditPoints="1" noAdjustHandles="1" noChangeArrowheads="1" noChangeShapeType="1"/>
+          </p:cNvCxnSpPr>
+          <p:nvPr>
+            <p:extLst>
+              <p:ext uri="{386F3935-93C4-4BCD-93E2-E3B085C9AB24}">
+                <p16:designElem xmlns:p16="http://schemas.microsoft.com/office/powerpoint/2015/main" val="1"/>
+              </p:ext>
+            </p:extLst>
+          </p:nvPr>
+        </p:nvCxnSpPr>
+        <p:spPr>
+          <a:xfrm>
+            <a:off x="865140" y="871146"/>
+            <a:ext cx="736939" cy="0"/>
+          </a:xfrm>
+          <a:prstGeom prst="line">
+            <a:avLst/>
+          </a:prstGeom>
+          <a:ln w="57150">
+            <a:solidFill>
+              <a:schemeClr val="accent4"/>
+            </a:solidFill>
+          </a:ln>
+        </p:spPr>
+        <p:style>
+          <a:lnRef idx="1">
+            <a:schemeClr val="accent1"/>
+          </a:lnRef>
+          <a:fillRef idx="0">
+            <a:schemeClr val="accent1"/>
+          </a:fillRef>
+          <a:effectRef idx="0">
+            <a:schemeClr val="accent1"/>
+          </a:effectRef>
+          <a:fontRef idx="minor">
+            <a:schemeClr val="tx1"/>
+          </a:fontRef>
+        </p:style>
+      </p:cxnSp>
+      <p:pic>
+        <p:nvPicPr>
+          <p:cNvPr id="5" name="Content Placeholder 4">
+            <a:extLst>
+              <a:ext uri="{FF2B5EF4-FFF2-40B4-BE49-F238E27FC236}">
+                <a16:creationId xmlns:a16="http://schemas.microsoft.com/office/drawing/2014/main" id="{D260AA47-3A51-B815-D8B1-AE03DCBBCF54}"/>
+              </a:ext>
+            </a:extLst>
+          </p:cNvPr>
+          <p:cNvPicPr>
+            <a:picLocks noChangeAspect="1"/>
+          </p:cNvPicPr>
+          <p:nvPr/>
+        </p:nvPicPr>
+        <p:blipFill>
+          <a:blip r:embed="rId2">
+            <a:extLst>
+              <a:ext uri="{28A0092B-C50C-407E-A947-70E740481C1C}">
+                <a14:useLocalDpi xmlns:a14="http://schemas.microsoft.com/office/drawing/2010/main" val="0"/>
+              </a:ext>
+            </a:extLst>
+          </a:blip>
+          <a:srcRect l="735" r="13456" b="-2"/>
+          <a:stretch>
+            <a:fillRect/>
+          </a:stretch>
+        </p:blipFill>
+        <p:spPr>
+          <a:xfrm>
+            <a:off x="1233609" y="0"/>
+            <a:ext cx="9724781" cy="4092315"/>
+          </a:xfrm>
+          <a:prstGeom prst="rect">
+            <a:avLst/>
+          </a:prstGeom>
+          <a:solidFill>
+            <a:srgbClr val="FFFFFF">
+              <a:shade val="85000"/>
+            </a:srgbClr>
+          </a:solidFill>
+          <a:ln w="88900" cap="sq">
+            <a:solidFill>
+              <a:srgbClr val="FFFFFF"/>
+            </a:solidFill>
+            <a:miter lim="800000"/>
+          </a:ln>
+          <a:effectLst>
+            <a:outerShdw blurRad="55000" dist="18000" dir="5400000" algn="tl" rotWithShape="0">
+              <a:srgbClr val="000000">
+                <a:alpha val="40000"/>
+              </a:srgbClr>
+            </a:outerShdw>
+          </a:effectLst>
+          <a:scene3d>
+            <a:camera prst="orthographicFront"/>
+            <a:lightRig rig="twoPt" dir="t">
+              <a:rot lat="0" lon="0" rev="7200000"/>
+            </a:lightRig>
+          </a:scene3d>
+          <a:sp3d>
+            <a:bevelT w="25400" h="19050"/>
+            <a:contourClr>
+              <a:srgbClr val="FFFFFF"/>
+            </a:contourClr>
+          </a:sp3d>
+        </p:spPr>
+      </p:pic>
+      <p:pic>
+        <p:nvPicPr>
+          <p:cNvPr id="7" name="Picture 6" descr="A screenshot of a computer&#10;&#10;AI-generated content may be incorrect.">
+            <a:extLst>
+              <a:ext uri="{FF2B5EF4-FFF2-40B4-BE49-F238E27FC236}">
+                <a16:creationId xmlns:a16="http://schemas.microsoft.com/office/drawing/2014/main" id="{332191DE-B084-FC8F-2987-F55FC7E0D41B}"/>
+              </a:ext>
+            </a:extLst>
+          </p:cNvPr>
+          <p:cNvPicPr>
+            <a:picLocks noChangeAspect="1"/>
+          </p:cNvPicPr>
+          <p:nvPr/>
+        </p:nvPicPr>
+        <p:blipFill>
+          <a:blip r:embed="rId3">
+            <a:extLst>
+              <a:ext uri="{28A0092B-C50C-407E-A947-70E740481C1C}">
+                <a14:useLocalDpi xmlns:a14="http://schemas.microsoft.com/office/drawing/2010/main" val="0"/>
+              </a:ext>
+            </a:extLst>
+          </a:blip>
+          <a:srcRect r="18681" b="-4"/>
+          <a:stretch>
+            <a:fillRect/>
+          </a:stretch>
+        </p:blipFill>
+        <p:spPr>
+          <a:xfrm>
+            <a:off x="1233609" y="4092315"/>
+            <a:ext cx="4862391" cy="2765685"/>
+          </a:xfrm>
+          <a:prstGeom prst="rect">
+            <a:avLst/>
+          </a:prstGeom>
+          <a:solidFill>
+            <a:srgbClr val="FFFFFF">
+              <a:shade val="85000"/>
+            </a:srgbClr>
+          </a:solidFill>
+          <a:ln w="88900" cap="sq">
+            <a:solidFill>
+              <a:srgbClr val="FFFFFF"/>
+            </a:solidFill>
+            <a:miter lim="800000"/>
+          </a:ln>
+          <a:effectLst>
+            <a:outerShdw blurRad="55000" dist="18000" dir="5400000" algn="tl" rotWithShape="0">
+              <a:srgbClr val="000000">
+                <a:alpha val="40000"/>
+              </a:srgbClr>
+            </a:outerShdw>
+          </a:effectLst>
+          <a:scene3d>
+            <a:camera prst="orthographicFront"/>
+            <a:lightRig rig="twoPt" dir="t">
+              <a:rot lat="0" lon="0" rev="7200000"/>
+            </a:lightRig>
+          </a:scene3d>
+          <a:sp3d>
+            <a:bevelT w="25400" h="19050"/>
+            <a:contourClr>
+              <a:srgbClr val="FFFFFF"/>
+            </a:contourClr>
+          </a:sp3d>
+        </p:spPr>
+      </p:pic>
+      <p:pic>
+        <p:nvPicPr>
+          <p:cNvPr id="13" name="Content Placeholder 12" descr="A screenshot of a computer&#10;&#10;AI-generated content may be incorrect.">
+            <a:extLst>
+              <a:ext uri="{FF2B5EF4-FFF2-40B4-BE49-F238E27FC236}">
+                <a16:creationId xmlns:a16="http://schemas.microsoft.com/office/drawing/2014/main" id="{DA1A5B24-D83F-F887-A110-28035F913DA4}"/>
+              </a:ext>
+            </a:extLst>
+          </p:cNvPr>
+          <p:cNvPicPr>
+            <a:picLocks noChangeAspect="1"/>
+          </p:cNvPicPr>
+          <p:nvPr/>
+        </p:nvPicPr>
+        <p:blipFill>
+          <a:blip r:embed="rId4">
+            <a:extLst>
+              <a:ext uri="{28A0092B-C50C-407E-A947-70E740481C1C}">
+                <a14:useLocalDpi xmlns:a14="http://schemas.microsoft.com/office/drawing/2010/main" val="0"/>
+              </a:ext>
+            </a:extLst>
+          </a:blip>
+          <a:srcRect r="18681" b="-4"/>
+          <a:stretch>
+            <a:fillRect/>
+          </a:stretch>
+        </p:blipFill>
+        <p:spPr>
+          <a:xfrm>
+            <a:off x="6095999" y="4092315"/>
+            <a:ext cx="4862390" cy="2765685"/>
+          </a:xfrm>
+          <a:prstGeom prst="rect">
+            <a:avLst/>
+          </a:prstGeom>
+          <a:solidFill>
+            <a:srgbClr val="FFFFFF">
+              <a:shade val="85000"/>
+            </a:srgbClr>
+          </a:solidFill>
+          <a:ln w="88900" cap="sq">
+            <a:solidFill>
+              <a:srgbClr val="FFFFFF"/>
+            </a:solidFill>
+            <a:miter lim="800000"/>
+          </a:ln>
+          <a:effectLst>
+            <a:outerShdw blurRad="55000" dist="18000" dir="5400000" algn="tl" rotWithShape="0">
+              <a:srgbClr val="000000">
+                <a:alpha val="40000"/>
+              </a:srgbClr>
+            </a:outerShdw>
+          </a:effectLst>
+          <a:scene3d>
+            <a:camera prst="orthographicFront"/>
+            <a:lightRig rig="twoPt" dir="t">
+              <a:rot lat="0" lon="0" rev="7200000"/>
+            </a:lightRig>
+          </a:scene3d>
+          <a:sp3d>
+            <a:bevelT w="25400" h="19050"/>
+            <a:contourClr>
+              <a:srgbClr val="FFFFFF"/>
+            </a:contourClr>
+          </a:sp3d>
+        </p:spPr>
+      </p:pic>
+    </p:spTree>
+    <p:extLst>
+      <p:ext uri="{BB962C8B-B14F-4D97-AF65-F5344CB8AC3E}">
+        <p14:creationId xmlns:p14="http://schemas.microsoft.com/office/powerpoint/2010/main" val="1742803029"/>
+      </p:ext>
+    </p:extLst>
+  </p:cSld>
+  <p:clrMapOvr>
+    <a:masterClrMapping/>
+  </p:clrMapOvr>
+</p:sld>
+</file>
+
+<file path=ppt/slides/slide12.xml><?xml version="1.0" encoding="utf-8"?>
+<p:sld xmlns:a="http://schemas.openxmlformats.org/drawingml/2006/main" xmlns:r="http://schemas.openxmlformats.org/officeDocument/2006/relationships" xmlns:p="http://schemas.openxmlformats.org/presentationml/2006/main">
+  <p:cSld>
+    <p:bg>
+      <p:bgPr>
+        <a:solidFill>
+          <a:schemeClr val="bg1"/>
+        </a:solidFill>
+        <a:effectLst/>
+      </p:bgPr>
+    </p:bg>
+    <p:spTree>
+      <p:nvGrpSpPr>
+        <p:cNvPr id="1" name=""/>
+        <p:cNvGrpSpPr/>
+        <p:nvPr/>
+      </p:nvGrpSpPr>
+      <p:grpSpPr>
+        <a:xfrm>
+          <a:off x="0" y="0"/>
+          <a:ext cx="0" cy="0"/>
+          <a:chOff x="0" y="0"/>
+          <a:chExt cx="0" cy="0"/>
+        </a:xfrm>
+      </p:grpSpPr>
       <p:sp useBgFill="1">
         <p:nvSpPr>
           <p:cNvPr id="8" name="Rectangle 7">
@@ -5630,7 +5922,7 @@
 </p:sld>
 </file>
 
-<file path=ppt/slides/slide12.xml><?xml version="1.0" encoding="utf-8"?>
+<file path=ppt/slides/slide13.xml><?xml version="1.0" encoding="utf-8"?>
 <p:sld xmlns:a="http://schemas.openxmlformats.org/drawingml/2006/main" xmlns:r="http://schemas.openxmlformats.org/officeDocument/2006/relationships" xmlns:p="http://schemas.openxmlformats.org/presentationml/2006/main">
   <p:cSld>
     <p:bg>
@@ -6478,7 +6770,7 @@
 </p:sld>
 </file>
 
-<file path=ppt/slides/slide13.xml><?xml version="1.0" encoding="utf-8"?>
+<file path=ppt/slides/slide14.xml><?xml version="1.0" encoding="utf-8"?>
 <p:sld xmlns:a="http://schemas.openxmlformats.org/drawingml/2006/main" xmlns:r="http://schemas.openxmlformats.org/officeDocument/2006/relationships" xmlns:p="http://schemas.openxmlformats.org/presentationml/2006/main">
   <p:cSld>
     <p:bg>
@@ -7417,7 +7709,7 @@
 </p:sld>
 </file>
 
-<file path=ppt/slides/slide14.xml><?xml version="1.0" encoding="utf-8"?>
+<file path=ppt/slides/slide15.xml><?xml version="1.0" encoding="utf-8"?>
 <p:sld xmlns:a="http://schemas.openxmlformats.org/drawingml/2006/main" xmlns:r="http://schemas.openxmlformats.org/officeDocument/2006/relationships" xmlns:p="http://schemas.openxmlformats.org/presentationml/2006/main">
   <p:cSld>
     <p:bg>
